--- a/Lessonary_Template_Structure.pptx
+++ b/Lessonary_Template_Structure.pptx
@@ -1008,6 +1008,180 @@
       </pc:sldMasterChg>
     </pc:docChg>
   </pc:docChgLst>
+  <pc:docChgLst>
+    <pc:chgData name="J Connolly Staff 8914041" userId="1c7c6448-b85e-4657-ae1f-ef770e619fd3" providerId="ADAL" clId="{A478E716-B891-44FD-998E-DFD8E52AD0C9}"/>
+    <pc:docChg chg="custSel modSld">
+      <pc:chgData name="J Connolly Staff 8914041" userId="1c7c6448-b85e-4657-ae1f-ef770e619fd3" providerId="ADAL" clId="{A478E716-B891-44FD-998E-DFD8E52AD0C9}" dt="2025-07-18T10:10:57.270" v="23" actId="478"/>
+      <pc:docMkLst>
+        <pc:docMk/>
+      </pc:docMkLst>
+      <pc:sldChg chg="delSp setBg">
+        <pc:chgData name="J Connolly Staff 8914041" userId="1c7c6448-b85e-4657-ae1f-ef770e619fd3" providerId="ADAL" clId="{A478E716-B891-44FD-998E-DFD8E52AD0C9}" dt="2025-07-18T10:09:39.393" v="2"/>
+        <pc:sldMkLst>
+          <pc:docMk/>
+          <pc:sldMk cId="0" sldId="256"/>
+        </pc:sldMkLst>
+        <pc:picChg chg="del">
+          <ac:chgData name="J Connolly Staff 8914041" userId="1c7c6448-b85e-4657-ae1f-ef770e619fd3" providerId="ADAL" clId="{A478E716-B891-44FD-998E-DFD8E52AD0C9}" dt="2025-07-18T10:09:26.739" v="0" actId="478"/>
+          <ac:picMkLst>
+            <pc:docMk/>
+            <pc:sldMk cId="0" sldId="256"/>
+            <ac:picMk id="6" creationId="{00000000-0000-0000-0000-000000000000}"/>
+          </ac:picMkLst>
+        </pc:picChg>
+      </pc:sldChg>
+      <pc:sldChg chg="delSp setBg">
+        <pc:chgData name="J Connolly Staff 8914041" userId="1c7c6448-b85e-4657-ae1f-ef770e619fd3" providerId="ADAL" clId="{A478E716-B891-44FD-998E-DFD8E52AD0C9}" dt="2025-07-18T10:10:05.175" v="8"/>
+        <pc:sldMkLst>
+          <pc:docMk/>
+          <pc:sldMk cId="0" sldId="257"/>
+        </pc:sldMkLst>
+        <pc:picChg chg="del">
+          <ac:chgData name="J Connolly Staff 8914041" userId="1c7c6448-b85e-4657-ae1f-ef770e619fd3" providerId="ADAL" clId="{A478E716-B891-44FD-998E-DFD8E52AD0C9}" dt="2025-07-18T10:10:01.695" v="7" actId="478"/>
+          <ac:picMkLst>
+            <pc:docMk/>
+            <pc:sldMk cId="0" sldId="257"/>
+            <ac:picMk id="6" creationId="{00000000-0000-0000-0000-000000000000}"/>
+          </ac:picMkLst>
+        </pc:picChg>
+      </pc:sldChg>
+      <pc:sldChg chg="delSp setBg">
+        <pc:chgData name="J Connolly Staff 8914041" userId="1c7c6448-b85e-4657-ae1f-ef770e619fd3" providerId="ADAL" clId="{A478E716-B891-44FD-998E-DFD8E52AD0C9}" dt="2025-07-18T10:10:23.356" v="13"/>
+        <pc:sldMkLst>
+          <pc:docMk/>
+          <pc:sldMk cId="0" sldId="258"/>
+        </pc:sldMkLst>
+        <pc:picChg chg="del">
+          <ac:chgData name="J Connolly Staff 8914041" userId="1c7c6448-b85e-4657-ae1f-ef770e619fd3" providerId="ADAL" clId="{A478E716-B891-44FD-998E-DFD8E52AD0C9}" dt="2025-07-18T10:10:17.283" v="11" actId="478"/>
+          <ac:picMkLst>
+            <pc:docMk/>
+            <pc:sldMk cId="0" sldId="258"/>
+            <ac:picMk id="6" creationId="{00000000-0000-0000-0000-000000000000}"/>
+          </ac:picMkLst>
+        </pc:picChg>
+      </pc:sldChg>
+      <pc:sldChg chg="delSp setBg">
+        <pc:chgData name="J Connolly Staff 8914041" userId="1c7c6448-b85e-4657-ae1f-ef770e619fd3" providerId="ADAL" clId="{A478E716-B891-44FD-998E-DFD8E52AD0C9}" dt="2025-07-18T10:10:29.978" v="15" actId="478"/>
+        <pc:sldMkLst>
+          <pc:docMk/>
+          <pc:sldMk cId="0" sldId="259"/>
+        </pc:sldMkLst>
+        <pc:picChg chg="del">
+          <ac:chgData name="J Connolly Staff 8914041" userId="1c7c6448-b85e-4657-ae1f-ef770e619fd3" providerId="ADAL" clId="{A478E716-B891-44FD-998E-DFD8E52AD0C9}" dt="2025-07-18T10:10:29.978" v="15" actId="478"/>
+          <ac:picMkLst>
+            <pc:docMk/>
+            <pc:sldMk cId="0" sldId="259"/>
+            <ac:picMk id="6" creationId="{00000000-0000-0000-0000-000000000000}"/>
+          </ac:picMkLst>
+        </pc:picChg>
+      </pc:sldChg>
+      <pc:sldChg chg="delSp setBg">
+        <pc:chgData name="J Connolly Staff 8914041" userId="1c7c6448-b85e-4657-ae1f-ef770e619fd3" providerId="ADAL" clId="{A478E716-B891-44FD-998E-DFD8E52AD0C9}" dt="2025-07-18T10:10:38.469" v="17" actId="478"/>
+        <pc:sldMkLst>
+          <pc:docMk/>
+          <pc:sldMk cId="0" sldId="260"/>
+        </pc:sldMkLst>
+        <pc:picChg chg="del">
+          <ac:chgData name="J Connolly Staff 8914041" userId="1c7c6448-b85e-4657-ae1f-ef770e619fd3" providerId="ADAL" clId="{A478E716-B891-44FD-998E-DFD8E52AD0C9}" dt="2025-07-18T10:10:38.469" v="17" actId="478"/>
+          <ac:picMkLst>
+            <pc:docMk/>
+            <pc:sldMk cId="0" sldId="260"/>
+            <ac:picMk id="6" creationId="{00000000-0000-0000-0000-000000000000}"/>
+          </ac:picMkLst>
+        </pc:picChg>
+      </pc:sldChg>
+      <pc:sldChg chg="delSp setBg">
+        <pc:chgData name="J Connolly Staff 8914041" userId="1c7c6448-b85e-4657-ae1f-ef770e619fd3" providerId="ADAL" clId="{A478E716-B891-44FD-998E-DFD8E52AD0C9}" dt="2025-07-18T10:10:45.817" v="19"/>
+        <pc:sldMkLst>
+          <pc:docMk/>
+          <pc:sldMk cId="0" sldId="261"/>
+        </pc:sldMkLst>
+        <pc:picChg chg="del">
+          <ac:chgData name="J Connolly Staff 8914041" userId="1c7c6448-b85e-4657-ae1f-ef770e619fd3" providerId="ADAL" clId="{A478E716-B891-44FD-998E-DFD8E52AD0C9}" dt="2025-07-18T10:10:42.105" v="18" actId="478"/>
+          <ac:picMkLst>
+            <pc:docMk/>
+            <pc:sldMk cId="0" sldId="261"/>
+            <ac:picMk id="6" creationId="{00000000-0000-0000-0000-000000000000}"/>
+          </ac:picMkLst>
+        </pc:picChg>
+      </pc:sldChg>
+      <pc:sldChg chg="delSp setBg">
+        <pc:chgData name="J Connolly Staff 8914041" userId="1c7c6448-b85e-4657-ae1f-ef770e619fd3" providerId="ADAL" clId="{A478E716-B891-44FD-998E-DFD8E52AD0C9}" dt="2025-07-18T10:10:51.483" v="21" actId="478"/>
+        <pc:sldMkLst>
+          <pc:docMk/>
+          <pc:sldMk cId="0" sldId="262"/>
+        </pc:sldMkLst>
+        <pc:picChg chg="del">
+          <ac:chgData name="J Connolly Staff 8914041" userId="1c7c6448-b85e-4657-ae1f-ef770e619fd3" providerId="ADAL" clId="{A478E716-B891-44FD-998E-DFD8E52AD0C9}" dt="2025-07-18T10:10:51.483" v="21" actId="478"/>
+          <ac:picMkLst>
+            <pc:docMk/>
+            <pc:sldMk cId="0" sldId="262"/>
+            <ac:picMk id="6" creationId="{00000000-0000-0000-0000-000000000000}"/>
+          </ac:picMkLst>
+        </pc:picChg>
+      </pc:sldChg>
+      <pc:sldChg chg="delSp setBg">
+        <pc:chgData name="J Connolly Staff 8914041" userId="1c7c6448-b85e-4657-ae1f-ef770e619fd3" providerId="ADAL" clId="{A478E716-B891-44FD-998E-DFD8E52AD0C9}" dt="2025-07-18T10:09:57.479" v="6"/>
+        <pc:sldMkLst>
+          <pc:docMk/>
+          <pc:sldMk cId="2700621475" sldId="264"/>
+        </pc:sldMkLst>
+        <pc:picChg chg="del">
+          <ac:chgData name="J Connolly Staff 8914041" userId="1c7c6448-b85e-4657-ae1f-ef770e619fd3" providerId="ADAL" clId="{A478E716-B891-44FD-998E-DFD8E52AD0C9}" dt="2025-07-18T10:09:52.926" v="5" actId="478"/>
+          <ac:picMkLst>
+            <pc:docMk/>
+            <pc:sldMk cId="2700621475" sldId="264"/>
+            <ac:picMk id="7" creationId="{00000000-0000-0000-0000-000000000000}"/>
+          </ac:picMkLst>
+        </pc:picChg>
+      </pc:sldChg>
+      <pc:sldChg chg="delSp setBg">
+        <pc:chgData name="J Connolly Staff 8914041" userId="1c7c6448-b85e-4657-ae1f-ef770e619fd3" providerId="ADAL" clId="{A478E716-B891-44FD-998E-DFD8E52AD0C9}" dt="2025-07-18T10:10:57.270" v="23" actId="478"/>
+        <pc:sldMkLst>
+          <pc:docMk/>
+          <pc:sldMk cId="2093961829" sldId="265"/>
+        </pc:sldMkLst>
+        <pc:picChg chg="del">
+          <ac:chgData name="J Connolly Staff 8914041" userId="1c7c6448-b85e-4657-ae1f-ef770e619fd3" providerId="ADAL" clId="{A478E716-B891-44FD-998E-DFD8E52AD0C9}" dt="2025-07-18T10:10:57.270" v="23" actId="478"/>
+          <ac:picMkLst>
+            <pc:docMk/>
+            <pc:sldMk cId="2093961829" sldId="265"/>
+            <ac:picMk id="6" creationId="{00000000-0000-0000-0000-000000000000}"/>
+          </ac:picMkLst>
+        </pc:picChg>
+      </pc:sldChg>
+      <pc:sldChg chg="delSp setBg">
+        <pc:chgData name="J Connolly Staff 8914041" userId="1c7c6448-b85e-4657-ae1f-ef770e619fd3" providerId="ADAL" clId="{A478E716-B891-44FD-998E-DFD8E52AD0C9}" dt="2025-07-18T10:09:49.520" v="4"/>
+        <pc:sldMkLst>
+          <pc:docMk/>
+          <pc:sldMk cId="3622968850" sldId="266"/>
+        </pc:sldMkLst>
+        <pc:picChg chg="del">
+          <ac:chgData name="J Connolly Staff 8914041" userId="1c7c6448-b85e-4657-ae1f-ef770e619fd3" providerId="ADAL" clId="{A478E716-B891-44FD-998E-DFD8E52AD0C9}" dt="2025-07-18T10:09:46.206" v="3" actId="478"/>
+          <ac:picMkLst>
+            <pc:docMk/>
+            <pc:sldMk cId="3622968850" sldId="266"/>
+            <ac:picMk id="9" creationId="{00000000-0000-0000-0000-000000000000}"/>
+          </ac:picMkLst>
+        </pc:picChg>
+      </pc:sldChg>
+      <pc:sldChg chg="delSp setBg">
+        <pc:chgData name="J Connolly Staff 8914041" userId="1c7c6448-b85e-4657-ae1f-ef770e619fd3" providerId="ADAL" clId="{A478E716-B891-44FD-998E-DFD8E52AD0C9}" dt="2025-07-18T10:10:12.897" v="10"/>
+        <pc:sldMkLst>
+          <pc:docMk/>
+          <pc:sldMk cId="525119816" sldId="267"/>
+        </pc:sldMkLst>
+        <pc:picChg chg="del">
+          <ac:chgData name="J Connolly Staff 8914041" userId="1c7c6448-b85e-4657-ae1f-ef770e619fd3" providerId="ADAL" clId="{A478E716-B891-44FD-998E-DFD8E52AD0C9}" dt="2025-07-18T10:10:08.932" v="9" actId="478"/>
+          <ac:picMkLst>
+            <pc:docMk/>
+            <pc:sldMk cId="525119816" sldId="267"/>
+            <ac:picMk id="6" creationId="{00000000-0000-0000-0000-000000000000}"/>
+          </ac:picMkLst>
+        </pc:picChg>
+      </pc:sldChg>
+    </pc:docChg>
+  </pc:docChgLst>
 </pc:chgInfo>
 </file>
 
@@ -3188,6 +3362,16 @@
 <file path=ppt/slides/slide1.xml><?xml version="1.0" encoding="utf-8"?>
 <p:sld xmlns:a="http://schemas.openxmlformats.org/drawingml/2006/main" xmlns:r="http://schemas.openxmlformats.org/officeDocument/2006/relationships" xmlns:p="http://schemas.openxmlformats.org/presentationml/2006/main">
   <p:cSld>
+    <p:bg>
+      <p:bgPr>
+        <a:solidFill>
+          <a:schemeClr val="bg1">
+            <a:lumMod val="95000"/>
+          </a:schemeClr>
+        </a:solidFill>
+        <a:effectLst/>
+      </p:bgPr>
+    </p:bg>
     <p:spTree>
       <p:nvGrpSpPr>
         <p:cNvPr id="1" name=""/>
@@ -3218,6 +3402,12 @@
           <a:lstStyle/>
           <a:p>
             <a:r>
+              <a:rPr sz="1800">
+                <a:solidFill>
+                  <a:srgbClr val="000000"/>
+                </a:solidFill>
+                <a:latin typeface="Century Gothic"/>
+              </a:rPr>
               <a:t>Ready to Learn / Entry</a:t>
             </a:r>
           </a:p>
@@ -3242,19 +3432,39 @@
               <a:buNone/>
             </a:pPr>
             <a:r>
-              <a:rPr lang="en-GB" dirty="0"/>
+              <a:rPr lang="en-GB" sz="1800" dirty="0">
+                <a:solidFill>
+                  <a:srgbClr val="000000"/>
+                </a:solidFill>
+                <a:latin typeface="Century Gothic"/>
+              </a:rPr>
               <a:t>[</a:t>
             </a:r>
             <a:r>
-              <a:rPr lang="en-GB" dirty="0" err="1"/>
+              <a:rPr lang="en-GB" sz="1800" dirty="0" err="1">
+                <a:solidFill>
+                  <a:srgbClr val="000000"/>
+                </a:solidFill>
+                <a:latin typeface="Century Gothic"/>
+              </a:rPr>
               <a:t>Text_Content</a:t>
             </a:r>
             <a:r>
-              <a:rPr lang="en-GB" dirty="0"/>
+              <a:rPr lang="en-GB" sz="1800" dirty="0">
+                <a:solidFill>
+                  <a:srgbClr val="000000"/>
+                </a:solidFill>
+                <a:latin typeface="Century Gothic"/>
+              </a:rPr>
               <a:t>]</a:t>
             </a:r>
             <a:r>
-              <a:rPr dirty="0"/>
+              <a:rPr sz="1800" dirty="0">
+                <a:solidFill>
+                  <a:srgbClr val="000000"/>
+                </a:solidFill>
+                <a:latin typeface="Century Gothic"/>
+              </a:rPr>
               <a:t>Silent starter task: [Insert Task]</a:t>
             </a:r>
           </a:p>
@@ -3285,15 +3495,30 @@
               <a:buNone/>
             </a:pPr>
             <a:r>
-              <a:rPr lang="en-GB" dirty="0"/>
+              <a:rPr lang="en-GB" sz="1800" dirty="0">
+                <a:solidFill>
+                  <a:srgbClr val="000000"/>
+                </a:solidFill>
+                <a:latin typeface="Century Gothic"/>
+              </a:rPr>
               <a:t>[</a:t>
             </a:r>
             <a:r>
-              <a:rPr lang="en-GB" dirty="0" err="1"/>
+              <a:rPr lang="en-GB" sz="1800" dirty="0" err="1">
+                <a:solidFill>
+                  <a:srgbClr val="000000"/>
+                </a:solidFill>
+                <a:latin typeface="Century Gothic"/>
+              </a:rPr>
               <a:t>Main_Image</a:t>
             </a:r>
             <a:r>
-              <a:rPr lang="en-GB" dirty="0"/>
+              <a:rPr lang="en-GB" sz="1800" dirty="0">
+                <a:solidFill>
+                  <a:srgbClr val="000000"/>
+                </a:solidFill>
+                <a:latin typeface="Century Gothic"/>
+              </a:rPr>
               <a:t>]</a:t>
             </a:r>
           </a:p>
@@ -3329,19 +3554,28 @@
           <a:p>
             <a:pPr algn="ctr"/>
             <a:r>
-              <a:rPr lang="en-GB" sz="1000" dirty="0">
+              <a:rPr lang="en-GB" sz="1800" dirty="0">
+                <a:solidFill>
+                  <a:srgbClr val="000000"/>
+                </a:solidFill>
                 <a:latin typeface="Century Gothic" panose="020B0502020202020204" pitchFamily="34" charset="0"/>
               </a:rPr>
               <a:t>KO [</a:t>
             </a:r>
             <a:r>
-              <a:rPr lang="en-GB" sz="1000" dirty="0" err="1">
+              <a:rPr lang="en-GB" sz="1800" dirty="0" err="1">
+                <a:solidFill>
+                  <a:srgbClr val="000000"/>
+                </a:solidFill>
                 <a:latin typeface="Century Gothic" panose="020B0502020202020204" pitchFamily="34" charset="0"/>
               </a:rPr>
               <a:t>Text_Content</a:t>
             </a:r>
             <a:r>
-              <a:rPr lang="en-GB" sz="1000" dirty="0">
+              <a:rPr lang="en-GB" sz="1800" dirty="0">
+                <a:solidFill>
+                  <a:srgbClr val="000000"/>
+                </a:solidFill>
                 <a:latin typeface="Century Gothic" panose="020B0502020202020204" pitchFamily="34" charset="0"/>
               </a:rPr>
               <a:t>]</a:t>
@@ -3360,6 +3594,16 @@
 <file path=ppt/slides/slide10.xml><?xml version="1.0" encoding="utf-8"?>
 <p:sld xmlns:a="http://schemas.openxmlformats.org/drawingml/2006/main" xmlns:r="http://schemas.openxmlformats.org/officeDocument/2006/relationships" xmlns:p="http://schemas.openxmlformats.org/presentationml/2006/main">
   <p:cSld>
+    <p:bg>
+      <p:bgPr>
+        <a:solidFill>
+          <a:schemeClr val="bg1">
+            <a:lumMod val="95000"/>
+          </a:schemeClr>
+        </a:solidFill>
+        <a:effectLst/>
+      </p:bgPr>
+    </p:bg>
     <p:spTree>
       <p:nvGrpSpPr>
         <p:cNvPr id="1" name=""/>
@@ -3390,11 +3634,21 @@
           <a:lstStyle/>
           <a:p>
             <a:r>
-              <a:rPr dirty="0"/>
+              <a:rPr sz="1800" dirty="0">
+                <a:solidFill>
+                  <a:srgbClr val="000000"/>
+                </a:solidFill>
+                <a:latin typeface="Century Gothic"/>
+              </a:rPr>
               <a:t>Exit </a:t>
             </a:r>
             <a:r>
-              <a:rPr lang="en-GB" dirty="0"/>
+              <a:rPr lang="en-GB" sz="1800" dirty="0">
+                <a:solidFill>
+                  <a:srgbClr val="000000"/>
+                </a:solidFill>
+                <a:latin typeface="Century Gothic"/>
+              </a:rPr>
               <a:t>Ticket</a:t>
             </a:r>
             <a:endParaRPr dirty="0"/>
@@ -3420,19 +3674,39 @@
               <a:buNone/>
             </a:pPr>
             <a:r>
-              <a:rPr lang="en-GB" dirty="0"/>
+              <a:rPr lang="en-GB" sz="1800" dirty="0">
+                <a:solidFill>
+                  <a:srgbClr val="000000"/>
+                </a:solidFill>
+                <a:latin typeface="Century Gothic"/>
+              </a:rPr>
               <a:t>[</a:t>
             </a:r>
             <a:r>
-              <a:rPr lang="en-GB" dirty="0" err="1"/>
+              <a:rPr lang="en-GB" sz="1800" dirty="0" err="1">
+                <a:solidFill>
+                  <a:srgbClr val="000000"/>
+                </a:solidFill>
+                <a:latin typeface="Century Gothic"/>
+              </a:rPr>
               <a:t>Text_Content</a:t>
             </a:r>
             <a:r>
-              <a:rPr lang="en-GB" dirty="0"/>
+              <a:rPr lang="en-GB" sz="1800" dirty="0">
+                <a:solidFill>
+                  <a:srgbClr val="000000"/>
+                </a:solidFill>
+                <a:latin typeface="Century Gothic"/>
+              </a:rPr>
               <a:t>] </a:t>
             </a:r>
             <a:r>
-              <a:rPr dirty="0"/>
+              <a:rPr sz="1800" dirty="0">
+                <a:solidFill>
+                  <a:srgbClr val="000000"/>
+                </a:solidFill>
+                <a:latin typeface="Century Gothic"/>
+              </a:rPr>
               <a:t>Exit ticket [Insert Task]</a:t>
             </a:r>
           </a:p>
@@ -3463,15 +3737,30 @@
               <a:buNone/>
             </a:pPr>
             <a:r>
-              <a:rPr lang="en-GB" dirty="0"/>
+              <a:rPr lang="en-GB" sz="1800" dirty="0">
+                <a:solidFill>
+                  <a:srgbClr val="000000"/>
+                </a:solidFill>
+                <a:latin typeface="Century Gothic"/>
+              </a:rPr>
               <a:t>[</a:t>
             </a:r>
             <a:r>
-              <a:rPr lang="en-GB" dirty="0" err="1"/>
+              <a:rPr lang="en-GB" sz="1800" dirty="0" err="1">
+                <a:solidFill>
+                  <a:srgbClr val="000000"/>
+                </a:solidFill>
+                <a:latin typeface="Century Gothic"/>
+              </a:rPr>
               <a:t>Main_Image</a:t>
             </a:r>
             <a:r>
-              <a:rPr lang="en-GB" dirty="0"/>
+              <a:rPr lang="en-GB" sz="1800" dirty="0">
+                <a:solidFill>
+                  <a:srgbClr val="000000"/>
+                </a:solidFill>
+                <a:latin typeface="Century Gothic"/>
+              </a:rPr>
               <a:t>]</a:t>
             </a:r>
           </a:p>
@@ -3507,19 +3796,28 @@
           <a:p>
             <a:pPr algn="ctr"/>
             <a:r>
-              <a:rPr lang="en-GB" sz="1000" dirty="0">
+              <a:rPr lang="en-GB" sz="1800" dirty="0">
+                <a:solidFill>
+                  <a:srgbClr val="000000"/>
+                </a:solidFill>
                 <a:latin typeface="Century Gothic" panose="020B0502020202020204" pitchFamily="34" charset="0"/>
               </a:rPr>
               <a:t>KO [</a:t>
             </a:r>
             <a:r>
-              <a:rPr lang="en-GB" sz="1000" dirty="0" err="1">
+              <a:rPr lang="en-GB" sz="1800" dirty="0" err="1">
+                <a:solidFill>
+                  <a:srgbClr val="000000"/>
+                </a:solidFill>
                 <a:latin typeface="Century Gothic" panose="020B0502020202020204" pitchFamily="34" charset="0"/>
               </a:rPr>
               <a:t>Text_Content</a:t>
             </a:r>
             <a:r>
-              <a:rPr lang="en-GB" sz="1000" dirty="0">
+              <a:rPr lang="en-GB" sz="1800" dirty="0">
+                <a:solidFill>
+                  <a:srgbClr val="000000"/>
+                </a:solidFill>
                 <a:latin typeface="Century Gothic" panose="020B0502020202020204" pitchFamily="34" charset="0"/>
               </a:rPr>
               <a:t>]</a:t>
@@ -3538,6 +3836,16 @@
 <file path=ppt/slides/slide11.xml><?xml version="1.0" encoding="utf-8"?>
 <p:sld xmlns:a="http://schemas.openxmlformats.org/drawingml/2006/main" xmlns:r="http://schemas.openxmlformats.org/officeDocument/2006/relationships" xmlns:p="http://schemas.openxmlformats.org/presentationml/2006/main">
   <p:cSld>
+    <p:bg>
+      <p:bgPr>
+        <a:solidFill>
+          <a:schemeClr val="bg1">
+            <a:lumMod val="95000"/>
+          </a:schemeClr>
+        </a:solidFill>
+        <a:effectLst/>
+      </p:bgPr>
+    </p:bg>
     <p:spTree>
       <p:nvGrpSpPr>
         <p:cNvPr id="1" name=""/>
@@ -3570,7 +3878,12 @@
           <a:lstStyle/>
           <a:p>
             <a:r>
-              <a:rPr lang="en-GB" dirty="0"/>
+              <a:rPr lang="en-GB" sz="1800" dirty="0">
+                <a:solidFill>
+                  <a:srgbClr val="000000"/>
+                </a:solidFill>
+                <a:latin typeface="Century Gothic"/>
+              </a:rPr>
               <a:t>Homework Task</a:t>
             </a:r>
             <a:endParaRPr dirty="0"/>
@@ -3596,19 +3909,39 @@
               <a:buNone/>
             </a:pPr>
             <a:r>
-              <a:rPr lang="en-GB" dirty="0"/>
+              <a:rPr lang="en-GB" sz="1800" dirty="0">
+                <a:solidFill>
+                  <a:srgbClr val="000000"/>
+                </a:solidFill>
+                <a:latin typeface="Century Gothic"/>
+              </a:rPr>
               <a:t>[</a:t>
             </a:r>
             <a:r>
-              <a:rPr lang="en-GB" dirty="0" err="1"/>
+              <a:rPr lang="en-GB" sz="1800" dirty="0" err="1">
+                <a:solidFill>
+                  <a:srgbClr val="000000"/>
+                </a:solidFill>
+                <a:latin typeface="Century Gothic"/>
+              </a:rPr>
               <a:t>Text_Content</a:t>
             </a:r>
             <a:r>
-              <a:rPr lang="en-GB" dirty="0"/>
+              <a:rPr lang="en-GB" sz="1800" dirty="0">
+                <a:solidFill>
+                  <a:srgbClr val="000000"/>
+                </a:solidFill>
+                <a:latin typeface="Century Gothic"/>
+              </a:rPr>
               <a:t>] Homework </a:t>
             </a:r>
             <a:r>
-              <a:rPr dirty="0"/>
+              <a:rPr sz="1800" dirty="0">
+                <a:solidFill>
+                  <a:srgbClr val="000000"/>
+                </a:solidFill>
+                <a:latin typeface="Century Gothic"/>
+              </a:rPr>
               <a:t>task: [Insert Task]</a:t>
             </a:r>
           </a:p>
@@ -3639,15 +3972,30 @@
               <a:buNone/>
             </a:pPr>
             <a:r>
-              <a:rPr lang="en-GB" dirty="0"/>
+              <a:rPr lang="en-GB" sz="1800" dirty="0">
+                <a:solidFill>
+                  <a:srgbClr val="000000"/>
+                </a:solidFill>
+                <a:latin typeface="Century Gothic"/>
+              </a:rPr>
               <a:t>[</a:t>
             </a:r>
             <a:r>
-              <a:rPr lang="en-GB" dirty="0" err="1"/>
+              <a:rPr lang="en-GB" sz="1800" dirty="0" err="1">
+                <a:solidFill>
+                  <a:srgbClr val="000000"/>
+                </a:solidFill>
+                <a:latin typeface="Century Gothic"/>
+              </a:rPr>
               <a:t>Main_Image</a:t>
             </a:r>
             <a:r>
-              <a:rPr lang="en-GB" dirty="0"/>
+              <a:rPr lang="en-GB" sz="1800" dirty="0">
+                <a:solidFill>
+                  <a:srgbClr val="000000"/>
+                </a:solidFill>
+                <a:latin typeface="Century Gothic"/>
+              </a:rPr>
               <a:t>]</a:t>
             </a:r>
           </a:p>
@@ -3683,19 +4031,28 @@
           <a:p>
             <a:pPr algn="ctr"/>
             <a:r>
-              <a:rPr lang="en-GB" sz="1000" dirty="0">
+              <a:rPr lang="en-GB" sz="1800" dirty="0">
+                <a:solidFill>
+                  <a:srgbClr val="000000"/>
+                </a:solidFill>
                 <a:latin typeface="Century Gothic" panose="020B0502020202020204" pitchFamily="34" charset="0"/>
               </a:rPr>
               <a:t>KO [</a:t>
             </a:r>
             <a:r>
-              <a:rPr lang="en-GB" sz="1000" dirty="0" err="1">
+              <a:rPr lang="en-GB" sz="1800" dirty="0" err="1">
+                <a:solidFill>
+                  <a:srgbClr val="000000"/>
+                </a:solidFill>
                 <a:latin typeface="Century Gothic" panose="020B0502020202020204" pitchFamily="34" charset="0"/>
               </a:rPr>
               <a:t>Text_Content</a:t>
             </a:r>
             <a:r>
-              <a:rPr lang="en-GB" sz="1000" dirty="0">
+              <a:rPr lang="en-GB" sz="1800" dirty="0">
+                <a:solidFill>
+                  <a:srgbClr val="000000"/>
+                </a:solidFill>
                 <a:latin typeface="Century Gothic" panose="020B0502020202020204" pitchFamily="34" charset="0"/>
               </a:rPr>
               <a:t>]</a:t>
@@ -3719,6 +4076,16 @@
 <file path=ppt/slides/slide2.xml><?xml version="1.0" encoding="utf-8"?>
 <p:sld xmlns:a="http://schemas.openxmlformats.org/drawingml/2006/main" xmlns:r="http://schemas.openxmlformats.org/officeDocument/2006/relationships" xmlns:p="http://schemas.openxmlformats.org/presentationml/2006/main">
   <p:cSld>
+    <p:bg>
+      <p:bgPr>
+        <a:solidFill>
+          <a:schemeClr val="bg1">
+            <a:lumMod val="95000"/>
+          </a:schemeClr>
+        </a:solidFill>
+        <a:effectLst/>
+      </p:bgPr>
+    </p:bg>
     <p:spTree>
       <p:nvGrpSpPr>
         <p:cNvPr id="1" name=""/>
@@ -3755,7 +4122,12 @@
           <a:lstStyle/>
           <a:p>
             <a:r>
-              <a:rPr lang="en-GB" dirty="0"/>
+              <a:rPr lang="en-GB" sz="1800" dirty="0">
+                <a:solidFill>
+                  <a:srgbClr val="000000"/>
+                </a:solidFill>
+                <a:latin typeface="Century Gothic"/>
+              </a:rPr>
               <a:t>What is the Connection</a:t>
             </a:r>
           </a:p>
@@ -3791,7 +4163,12 @@
               <a:buNone/>
             </a:pPr>
             <a:r>
-              <a:rPr lang="en-GB" dirty="0"/>
+              <a:rPr lang="en-GB" sz="1800" dirty="0">
+                <a:solidFill>
+                  <a:srgbClr val="000000"/>
+                </a:solidFill>
+                <a:latin typeface="Century Gothic"/>
+              </a:rPr>
               <a:t>[Grid_Image_1]</a:t>
             </a:r>
           </a:p>
@@ -3827,7 +4204,12 @@
               <a:buNone/>
             </a:pPr>
             <a:r>
-              <a:rPr lang="en-GB" dirty="0"/>
+              <a:rPr lang="en-GB" sz="1800" dirty="0">
+                <a:solidFill>
+                  <a:srgbClr val="000000"/>
+                </a:solidFill>
+                <a:latin typeface="Century Gothic"/>
+              </a:rPr>
               <a:t>[Grid_Image_2]</a:t>
             </a:r>
           </a:p>
@@ -4174,7 +4556,12 @@
               <a:buNone/>
             </a:pPr>
             <a:r>
-              <a:rPr lang="en-GB" dirty="0"/>
+              <a:rPr lang="en-GB" sz="1800" dirty="0">
+                <a:solidFill>
+                  <a:srgbClr val="000000"/>
+                </a:solidFill>
+                <a:latin typeface="Century Gothic"/>
+              </a:rPr>
               <a:t>[Grid_Image_3]</a:t>
             </a:r>
           </a:p>
@@ -4355,7 +4742,12 @@
               <a:buNone/>
             </a:pPr>
             <a:r>
-              <a:rPr lang="en-GB" dirty="0"/>
+              <a:rPr lang="en-GB" sz="1800" dirty="0">
+                <a:solidFill>
+                  <a:srgbClr val="000000"/>
+                </a:solidFill>
+                <a:latin typeface="Century Gothic"/>
+              </a:rPr>
               <a:t>[Grid_Image_4]</a:t>
             </a:r>
           </a:p>
@@ -4397,19 +4789,28 @@
           <a:p>
             <a:pPr algn="ctr"/>
             <a:r>
-              <a:rPr lang="en-GB" sz="1000" dirty="0">
+              <a:rPr lang="en-GB" sz="1800" dirty="0">
+                <a:solidFill>
+                  <a:srgbClr val="000000"/>
+                </a:solidFill>
                 <a:latin typeface="Century Gothic" panose="020B0502020202020204" pitchFamily="34" charset="0"/>
               </a:rPr>
               <a:t>KO [</a:t>
             </a:r>
             <a:r>
-              <a:rPr lang="en-GB" sz="1000" dirty="0" err="1">
+              <a:rPr lang="en-GB" sz="1800" dirty="0" err="1">
+                <a:solidFill>
+                  <a:srgbClr val="000000"/>
+                </a:solidFill>
                 <a:latin typeface="Century Gothic" panose="020B0502020202020204" pitchFamily="34" charset="0"/>
               </a:rPr>
               <a:t>Text_Content</a:t>
             </a:r>
             <a:r>
-              <a:rPr lang="en-GB" sz="1000" dirty="0">
+              <a:rPr lang="en-GB" sz="1800" dirty="0">
+                <a:solidFill>
+                  <a:srgbClr val="000000"/>
+                </a:solidFill>
                 <a:latin typeface="Century Gothic" panose="020B0502020202020204" pitchFamily="34" charset="0"/>
               </a:rPr>
               <a:t>]</a:t>
@@ -4433,6 +4834,16 @@
 <file path=ppt/slides/slide3.xml><?xml version="1.0" encoding="utf-8"?>
 <p:sld xmlns:a="http://schemas.openxmlformats.org/drawingml/2006/main" xmlns:r="http://schemas.openxmlformats.org/officeDocument/2006/relationships" xmlns:p="http://schemas.openxmlformats.org/presentationml/2006/main">
   <p:cSld>
+    <p:bg>
+      <p:bgPr>
+        <a:solidFill>
+          <a:schemeClr val="bg1">
+            <a:lumMod val="95000"/>
+          </a:schemeClr>
+        </a:solidFill>
+        <a:effectLst/>
+      </p:bgPr>
+    </p:bg>
     <p:spTree>
       <p:nvGrpSpPr>
         <p:cNvPr id="1" name=""/>
@@ -4471,26 +4882,42 @@
           <a:lstStyle/>
           <a:p>
             <a:r>
-              <a:rPr lang="en-GB" sz="1400" dirty="0"/>
-              <a:t>Key Objective</a:t>
-            </a:r>
-            <a:r>
-              <a:rPr lang="en-GB" sz="3200" dirty="0"/>
-              <a:t> </a:t>
+              <a:rPr lang="en-GB" sz="1800" dirty="0">
+                <a:solidFill>
+                  <a:srgbClr val="000000"/>
+                </a:solidFill>
+                <a:latin typeface="Century Gothic"/>
+              </a:rPr>
+              <a:t>Key Objective </a:t>
             </a:r>
             <a:br>
               <a:rPr lang="en-GB" sz="3200" b="1" dirty="0"/>
             </a:br>
             <a:r>
-              <a:rPr lang="en-GB" sz="3200" b="1" dirty="0"/>
+              <a:rPr lang="en-GB" sz="1800" b="1" dirty="0">
+                <a:solidFill>
+                  <a:srgbClr val="000000"/>
+                </a:solidFill>
+                <a:latin typeface="Century Gothic"/>
+              </a:rPr>
               <a:t>[</a:t>
             </a:r>
             <a:r>
-              <a:rPr lang="en-GB" sz="3200" b="1" dirty="0" err="1"/>
+              <a:rPr lang="en-GB" sz="1800" b="1" dirty="0" err="1">
+                <a:solidFill>
+                  <a:srgbClr val="000000"/>
+                </a:solidFill>
+                <a:latin typeface="Century Gothic"/>
+              </a:rPr>
               <a:t>Text_Content</a:t>
             </a:r>
             <a:r>
-              <a:rPr lang="en-GB" sz="3200" b="1" dirty="0"/>
+              <a:rPr lang="en-GB" sz="1800" b="1" dirty="0">
+                <a:solidFill>
+                  <a:srgbClr val="000000"/>
+                </a:solidFill>
+                <a:latin typeface="Century Gothic"/>
+              </a:rPr>
               <a:t>] </a:t>
             </a:r>
           </a:p>
@@ -4521,7 +4948,12 @@
               <a:buNone/>
             </a:pPr>
             <a:r>
-              <a:rPr lang="en-GB" b="1" u="sng" dirty="0"/>
+              <a:rPr lang="en-GB" sz="1800" b="1" u="sng" dirty="0">
+                <a:solidFill>
+                  <a:srgbClr val="000000"/>
+                </a:solidFill>
+                <a:latin typeface="Century Gothic"/>
+              </a:rPr>
               <a:t>Lesson Outcomes:</a:t>
             </a:r>
           </a:p>
@@ -4530,15 +4962,30 @@
               <a:buNone/>
             </a:pPr>
             <a:r>
-              <a:rPr lang="en-GB" dirty="0"/>
+              <a:rPr lang="en-GB" sz="1800" dirty="0">
+                <a:solidFill>
+                  <a:srgbClr val="000000"/>
+                </a:solidFill>
+                <a:latin typeface="Century Gothic"/>
+              </a:rPr>
               <a:t>ALL| [</a:t>
             </a:r>
             <a:r>
-              <a:rPr lang="en-GB" dirty="0" err="1"/>
+              <a:rPr lang="en-GB" sz="1800" dirty="0" err="1">
+                <a:solidFill>
+                  <a:srgbClr val="000000"/>
+                </a:solidFill>
+                <a:latin typeface="Century Gothic"/>
+              </a:rPr>
               <a:t>Text_Content</a:t>
             </a:r>
             <a:r>
-              <a:rPr lang="en-GB" dirty="0"/>
+              <a:rPr lang="en-GB" sz="1800" dirty="0">
+                <a:solidFill>
+                  <a:srgbClr val="000000"/>
+                </a:solidFill>
+                <a:latin typeface="Century Gothic"/>
+              </a:rPr>
               <a:t>] </a:t>
             </a:r>
           </a:p>
@@ -4553,15 +5000,30 @@
               <a:buNone/>
             </a:pPr>
             <a:r>
-              <a:rPr lang="en-GB" dirty="0"/>
+              <a:rPr lang="en-GB" sz="1800" dirty="0">
+                <a:solidFill>
+                  <a:srgbClr val="000000"/>
+                </a:solidFill>
+                <a:latin typeface="Century Gothic"/>
+              </a:rPr>
               <a:t>MOST| [</a:t>
             </a:r>
             <a:r>
-              <a:rPr lang="en-GB" dirty="0" err="1"/>
+              <a:rPr lang="en-GB" sz="1800" dirty="0" err="1">
+                <a:solidFill>
+                  <a:srgbClr val="000000"/>
+                </a:solidFill>
+                <a:latin typeface="Century Gothic"/>
+              </a:rPr>
               <a:t>Text_Content</a:t>
             </a:r>
             <a:r>
-              <a:rPr lang="en-GB" dirty="0"/>
+              <a:rPr lang="en-GB" sz="1800" dirty="0">
+                <a:solidFill>
+                  <a:srgbClr val="000000"/>
+                </a:solidFill>
+                <a:latin typeface="Century Gothic"/>
+              </a:rPr>
               <a:t>] </a:t>
             </a:r>
           </a:p>
@@ -4576,15 +5038,30 @@
               <a:buNone/>
             </a:pPr>
             <a:r>
-              <a:rPr lang="en-GB" dirty="0"/>
+              <a:rPr lang="en-GB" sz="1800" dirty="0">
+                <a:solidFill>
+                  <a:srgbClr val="000000"/>
+                </a:solidFill>
+                <a:latin typeface="Century Gothic"/>
+              </a:rPr>
               <a:t>SOME| [</a:t>
             </a:r>
             <a:r>
-              <a:rPr lang="en-GB" dirty="0" err="1"/>
+              <a:rPr lang="en-GB" sz="1800" dirty="0" err="1">
+                <a:solidFill>
+                  <a:srgbClr val="000000"/>
+                </a:solidFill>
+                <a:latin typeface="Century Gothic"/>
+              </a:rPr>
               <a:t>Text_Content</a:t>
             </a:r>
             <a:r>
-              <a:rPr lang="en-GB" dirty="0"/>
+              <a:rPr lang="en-GB" sz="1800" dirty="0">
+                <a:solidFill>
+                  <a:srgbClr val="000000"/>
+                </a:solidFill>
+                <a:latin typeface="Century Gothic"/>
+              </a:rPr>
               <a:t>] </a:t>
             </a:r>
           </a:p>
@@ -4606,6 +5083,16 @@
 <file path=ppt/slides/slide4.xml><?xml version="1.0" encoding="utf-8"?>
 <p:sld xmlns:a="http://schemas.openxmlformats.org/drawingml/2006/main" xmlns:r="http://schemas.openxmlformats.org/officeDocument/2006/relationships" xmlns:p="http://schemas.openxmlformats.org/presentationml/2006/main">
   <p:cSld>
+    <p:bg>
+      <p:bgPr>
+        <a:solidFill>
+          <a:schemeClr val="bg1">
+            <a:lumMod val="95000"/>
+          </a:schemeClr>
+        </a:solidFill>
+        <a:effectLst/>
+      </p:bgPr>
+    </p:bg>
     <p:spTree>
       <p:nvGrpSpPr>
         <p:cNvPr id="1" name=""/>
@@ -4636,7 +5123,12 @@
           <a:lstStyle/>
           <a:p>
             <a:r>
-              <a:rPr lang="en-GB" dirty="0"/>
+              <a:rPr lang="en-GB" sz="1800" dirty="0">
+                <a:solidFill>
+                  <a:srgbClr val="000000"/>
+                </a:solidFill>
+                <a:latin typeface="Century Gothic"/>
+              </a:rPr>
               <a:t>Key Vocabulary</a:t>
             </a:r>
             <a:endParaRPr dirty="0"/>
@@ -4662,15 +5154,30 @@
               <a:buNone/>
             </a:pPr>
             <a:r>
-              <a:rPr lang="en-GB" dirty="0"/>
+              <a:rPr lang="en-GB" sz="1800" dirty="0">
+                <a:solidFill>
+                  <a:srgbClr val="000000"/>
+                </a:solidFill>
+                <a:latin typeface="Century Gothic"/>
+              </a:rPr>
               <a:t>[</a:t>
             </a:r>
             <a:r>
-              <a:rPr lang="en-GB" dirty="0" err="1"/>
+              <a:rPr lang="en-GB" sz="1800" dirty="0" err="1">
+                <a:solidFill>
+                  <a:srgbClr val="000000"/>
+                </a:solidFill>
+                <a:latin typeface="Century Gothic"/>
+              </a:rPr>
               <a:t>Text_Content</a:t>
             </a:r>
             <a:r>
-              <a:rPr lang="en-GB"/>
+              <a:rPr lang="en-GB" sz="1800">
+                <a:solidFill>
+                  <a:srgbClr val="000000"/>
+                </a:solidFill>
+                <a:latin typeface="Century Gothic"/>
+              </a:rPr>
               <a:t>]</a:t>
             </a:r>
             <a:endParaRPr dirty="0"/>
@@ -4707,19 +5214,28 @@
           <a:p>
             <a:pPr algn="ctr"/>
             <a:r>
-              <a:rPr lang="en-GB" sz="1000" dirty="0">
+              <a:rPr lang="en-GB" sz="1800" dirty="0">
+                <a:solidFill>
+                  <a:srgbClr val="000000"/>
+                </a:solidFill>
                 <a:latin typeface="Century Gothic" panose="020B0502020202020204" pitchFamily="34" charset="0"/>
               </a:rPr>
               <a:t>KO [</a:t>
             </a:r>
             <a:r>
-              <a:rPr lang="en-GB" sz="1000" dirty="0" err="1">
+              <a:rPr lang="en-GB" sz="1800" dirty="0" err="1">
+                <a:solidFill>
+                  <a:srgbClr val="000000"/>
+                </a:solidFill>
                 <a:latin typeface="Century Gothic" panose="020B0502020202020204" pitchFamily="34" charset="0"/>
               </a:rPr>
               <a:t>Text_Content</a:t>
             </a:r>
             <a:r>
-              <a:rPr lang="en-GB" sz="1000" dirty="0">
+              <a:rPr lang="en-GB" sz="1800" dirty="0">
+                <a:solidFill>
+                  <a:srgbClr val="000000"/>
+                </a:solidFill>
                 <a:latin typeface="Century Gothic" panose="020B0502020202020204" pitchFamily="34" charset="0"/>
               </a:rPr>
               <a:t>]</a:t>
@@ -4738,6 +5254,16 @@
 <file path=ppt/slides/slide5.xml><?xml version="1.0" encoding="utf-8"?>
 <p:sld xmlns:a="http://schemas.openxmlformats.org/drawingml/2006/main" xmlns:r="http://schemas.openxmlformats.org/officeDocument/2006/relationships" xmlns:p="http://schemas.openxmlformats.org/presentationml/2006/main">
   <p:cSld>
+    <p:bg>
+      <p:bgPr>
+        <a:solidFill>
+          <a:schemeClr val="bg1">
+            <a:lumMod val="95000"/>
+          </a:schemeClr>
+        </a:solidFill>
+        <a:effectLst/>
+      </p:bgPr>
+    </p:bg>
     <p:spTree>
       <p:nvGrpSpPr>
         <p:cNvPr id="1" name=""/>
@@ -4768,6 +5294,12 @@
           <a:lstStyle/>
           <a:p>
             <a:r>
+              <a:rPr sz="1800">
+                <a:solidFill>
+                  <a:srgbClr val="000000"/>
+                </a:solidFill>
+                <a:latin typeface="Century Gothic"/>
+              </a:rPr>
               <a:t>Connect &amp; Recall</a:t>
             </a:r>
           </a:p>
@@ -4792,19 +5324,39 @@
               <a:buNone/>
             </a:pPr>
             <a:r>
-              <a:rPr lang="en-GB" dirty="0"/>
+              <a:rPr lang="en-GB" sz="1800" dirty="0">
+                <a:solidFill>
+                  <a:srgbClr val="000000"/>
+                </a:solidFill>
+                <a:latin typeface="Century Gothic"/>
+              </a:rPr>
               <a:t>[</a:t>
             </a:r>
             <a:r>
-              <a:rPr lang="en-GB" dirty="0" err="1"/>
+              <a:rPr lang="en-GB" sz="1800" dirty="0" err="1">
+                <a:solidFill>
+                  <a:srgbClr val="000000"/>
+                </a:solidFill>
+                <a:latin typeface="Century Gothic"/>
+              </a:rPr>
               <a:t>Text_Content</a:t>
             </a:r>
             <a:r>
-              <a:rPr lang="en-GB" dirty="0"/>
+              <a:rPr lang="en-GB" sz="1800" dirty="0">
+                <a:solidFill>
+                  <a:srgbClr val="000000"/>
+                </a:solidFill>
+                <a:latin typeface="Century Gothic"/>
+              </a:rPr>
               <a:t>] </a:t>
             </a:r>
             <a:r>
-              <a:rPr dirty="0"/>
+              <a:rPr sz="1800" dirty="0">
+                <a:solidFill>
+                  <a:srgbClr val="000000"/>
+                </a:solidFill>
+                <a:latin typeface="Century Gothic"/>
+              </a:rPr>
               <a:t>Retrieval activity or flashback quiz: [Insert Task]</a:t>
             </a:r>
           </a:p>
@@ -4835,15 +5387,30 @@
               <a:buNone/>
             </a:pPr>
             <a:r>
-              <a:rPr lang="en-GB" dirty="0"/>
+              <a:rPr lang="en-GB" sz="1800" dirty="0">
+                <a:solidFill>
+                  <a:srgbClr val="000000"/>
+                </a:solidFill>
+                <a:latin typeface="Century Gothic"/>
+              </a:rPr>
               <a:t>[</a:t>
             </a:r>
             <a:r>
-              <a:rPr lang="en-GB" dirty="0" err="1"/>
+              <a:rPr lang="en-GB" sz="1800" dirty="0" err="1">
+                <a:solidFill>
+                  <a:srgbClr val="000000"/>
+                </a:solidFill>
+                <a:latin typeface="Century Gothic"/>
+              </a:rPr>
               <a:t>Main_Image</a:t>
             </a:r>
             <a:r>
-              <a:rPr lang="en-GB" dirty="0"/>
+              <a:rPr lang="en-GB" sz="1800" dirty="0">
+                <a:solidFill>
+                  <a:srgbClr val="000000"/>
+                </a:solidFill>
+                <a:latin typeface="Century Gothic"/>
+              </a:rPr>
               <a:t>]</a:t>
             </a:r>
           </a:p>
@@ -4879,19 +5446,28 @@
           <a:p>
             <a:pPr algn="ctr"/>
             <a:r>
-              <a:rPr lang="en-GB" sz="1000" dirty="0">
+              <a:rPr lang="en-GB" sz="1800" dirty="0">
+                <a:solidFill>
+                  <a:srgbClr val="000000"/>
+                </a:solidFill>
                 <a:latin typeface="Century Gothic" panose="020B0502020202020204" pitchFamily="34" charset="0"/>
               </a:rPr>
               <a:t>KO [</a:t>
             </a:r>
             <a:r>
-              <a:rPr lang="en-GB" sz="1000" dirty="0" err="1">
+              <a:rPr lang="en-GB" sz="1800" dirty="0" err="1">
+                <a:solidFill>
+                  <a:srgbClr val="000000"/>
+                </a:solidFill>
                 <a:latin typeface="Century Gothic" panose="020B0502020202020204" pitchFamily="34" charset="0"/>
               </a:rPr>
               <a:t>Text_Content</a:t>
             </a:r>
             <a:r>
-              <a:rPr lang="en-GB" sz="1000" dirty="0">
+              <a:rPr lang="en-GB" sz="1800" dirty="0">
+                <a:solidFill>
+                  <a:srgbClr val="000000"/>
+                </a:solidFill>
                 <a:latin typeface="Century Gothic" panose="020B0502020202020204" pitchFamily="34" charset="0"/>
               </a:rPr>
               <a:t>]</a:t>
@@ -4915,6 +5491,16 @@
 <file path=ppt/slides/slide6.xml><?xml version="1.0" encoding="utf-8"?>
 <p:sld xmlns:a="http://schemas.openxmlformats.org/drawingml/2006/main" xmlns:r="http://schemas.openxmlformats.org/officeDocument/2006/relationships" xmlns:p="http://schemas.openxmlformats.org/presentationml/2006/main">
   <p:cSld>
+    <p:bg>
+      <p:bgPr>
+        <a:solidFill>
+          <a:schemeClr val="bg1">
+            <a:lumMod val="95000"/>
+          </a:schemeClr>
+        </a:solidFill>
+        <a:effectLst/>
+      </p:bgPr>
+    </p:bg>
     <p:spTree>
       <p:nvGrpSpPr>
         <p:cNvPr id="1" name=""/>
@@ -4945,6 +5531,12 @@
           <a:lstStyle/>
           <a:p>
             <a:r>
+              <a:rPr sz="1800">
+                <a:solidFill>
+                  <a:srgbClr val="000000"/>
+                </a:solidFill>
+                <a:latin typeface="Century Gothic"/>
+              </a:rPr>
               <a:t>Explore / Impart Knowledge</a:t>
             </a:r>
           </a:p>
@@ -4969,19 +5561,39 @@
               <a:buNone/>
             </a:pPr>
             <a:r>
-              <a:rPr lang="en-GB" dirty="0"/>
+              <a:rPr lang="en-GB" sz="1800" dirty="0">
+                <a:solidFill>
+                  <a:srgbClr val="000000"/>
+                </a:solidFill>
+                <a:latin typeface="Century Gothic"/>
+              </a:rPr>
               <a:t>[</a:t>
             </a:r>
             <a:r>
-              <a:rPr lang="en-GB" dirty="0" err="1"/>
+              <a:rPr lang="en-GB" sz="1800" dirty="0" err="1">
+                <a:solidFill>
+                  <a:srgbClr val="000000"/>
+                </a:solidFill>
+                <a:latin typeface="Century Gothic"/>
+              </a:rPr>
               <a:t>Text_Content</a:t>
             </a:r>
             <a:r>
-              <a:rPr lang="en-GB" dirty="0"/>
+              <a:rPr lang="en-GB" sz="1800" dirty="0">
+                <a:solidFill>
+                  <a:srgbClr val="000000"/>
+                </a:solidFill>
+                <a:latin typeface="Century Gothic"/>
+              </a:rPr>
               <a:t>] </a:t>
             </a:r>
             <a:r>
-              <a:rPr dirty="0"/>
+              <a:rPr sz="1800" dirty="0">
+                <a:solidFill>
+                  <a:srgbClr val="000000"/>
+                </a:solidFill>
+                <a:latin typeface="Century Gothic"/>
+              </a:rPr>
               <a:t>Core knowledge or explanation slide: [Insert Content]</a:t>
             </a:r>
           </a:p>
@@ -5012,15 +5624,30 @@
               <a:buNone/>
             </a:pPr>
             <a:r>
-              <a:rPr lang="en-GB" dirty="0"/>
+              <a:rPr lang="en-GB" sz="1800" dirty="0">
+                <a:solidFill>
+                  <a:srgbClr val="000000"/>
+                </a:solidFill>
+                <a:latin typeface="Century Gothic"/>
+              </a:rPr>
               <a:t>[</a:t>
             </a:r>
             <a:r>
-              <a:rPr lang="en-GB" dirty="0" err="1"/>
+              <a:rPr lang="en-GB" sz="1800" dirty="0" err="1">
+                <a:solidFill>
+                  <a:srgbClr val="000000"/>
+                </a:solidFill>
+                <a:latin typeface="Century Gothic"/>
+              </a:rPr>
               <a:t>Main_Image</a:t>
             </a:r>
             <a:r>
-              <a:rPr lang="en-GB" dirty="0"/>
+              <a:rPr lang="en-GB" sz="1800" dirty="0">
+                <a:solidFill>
+                  <a:srgbClr val="000000"/>
+                </a:solidFill>
+                <a:latin typeface="Century Gothic"/>
+              </a:rPr>
               <a:t>]</a:t>
             </a:r>
           </a:p>
@@ -5056,19 +5683,28 @@
           <a:p>
             <a:pPr algn="ctr"/>
             <a:r>
-              <a:rPr lang="en-GB" sz="1000" dirty="0">
+              <a:rPr lang="en-GB" sz="1800" dirty="0">
+                <a:solidFill>
+                  <a:srgbClr val="000000"/>
+                </a:solidFill>
                 <a:latin typeface="Century Gothic" panose="020B0502020202020204" pitchFamily="34" charset="0"/>
               </a:rPr>
               <a:t>KO [</a:t>
             </a:r>
             <a:r>
-              <a:rPr lang="en-GB" sz="1000" dirty="0" err="1">
+              <a:rPr lang="en-GB" sz="1800" dirty="0" err="1">
+                <a:solidFill>
+                  <a:srgbClr val="000000"/>
+                </a:solidFill>
                 <a:latin typeface="Century Gothic" panose="020B0502020202020204" pitchFamily="34" charset="0"/>
               </a:rPr>
               <a:t>Text_Content</a:t>
             </a:r>
             <a:r>
-              <a:rPr lang="en-GB" sz="1000" dirty="0">
+              <a:rPr lang="en-GB" sz="1800" dirty="0">
+                <a:solidFill>
+                  <a:srgbClr val="000000"/>
+                </a:solidFill>
                 <a:latin typeface="Century Gothic" panose="020B0502020202020204" pitchFamily="34" charset="0"/>
               </a:rPr>
               <a:t>]</a:t>
@@ -5087,6 +5723,16 @@
 <file path=ppt/slides/slide7.xml><?xml version="1.0" encoding="utf-8"?>
 <p:sld xmlns:a="http://schemas.openxmlformats.org/drawingml/2006/main" xmlns:r="http://schemas.openxmlformats.org/officeDocument/2006/relationships" xmlns:p="http://schemas.openxmlformats.org/presentationml/2006/main">
   <p:cSld>
+    <p:bg>
+      <p:bgPr>
+        <a:solidFill>
+          <a:schemeClr val="bg1">
+            <a:lumMod val="95000"/>
+          </a:schemeClr>
+        </a:solidFill>
+        <a:effectLst/>
+      </p:bgPr>
+    </p:bg>
     <p:spTree>
       <p:nvGrpSpPr>
         <p:cNvPr id="1" name=""/>
@@ -5117,6 +5763,12 @@
           <a:lstStyle/>
           <a:p>
             <a:r>
+              <a:rPr sz="1800">
+                <a:solidFill>
+                  <a:srgbClr val="000000"/>
+                </a:solidFill>
+                <a:latin typeface="Century Gothic"/>
+              </a:rPr>
               <a:t>Collaborate / Facilitate</a:t>
             </a:r>
           </a:p>
@@ -5141,19 +5793,39 @@
               <a:buNone/>
             </a:pPr>
             <a:r>
-              <a:rPr lang="en-GB" dirty="0"/>
+              <a:rPr lang="en-GB" sz="1800" dirty="0">
+                <a:solidFill>
+                  <a:srgbClr val="000000"/>
+                </a:solidFill>
+                <a:latin typeface="Century Gothic"/>
+              </a:rPr>
               <a:t>[</a:t>
             </a:r>
             <a:r>
-              <a:rPr lang="en-GB" dirty="0" err="1"/>
+              <a:rPr lang="en-GB" sz="1800" dirty="0" err="1">
+                <a:solidFill>
+                  <a:srgbClr val="000000"/>
+                </a:solidFill>
+                <a:latin typeface="Century Gothic"/>
+              </a:rPr>
               <a:t>Text_Content</a:t>
             </a:r>
             <a:r>
-              <a:rPr lang="en-GB" dirty="0"/>
+              <a:rPr lang="en-GB" sz="1800" dirty="0">
+                <a:solidFill>
+                  <a:srgbClr val="000000"/>
+                </a:solidFill>
+                <a:latin typeface="Century Gothic"/>
+              </a:rPr>
               <a:t>] </a:t>
             </a:r>
             <a:r>
-              <a:rPr dirty="0"/>
+              <a:rPr sz="1800" dirty="0">
+                <a:solidFill>
+                  <a:srgbClr val="000000"/>
+                </a:solidFill>
+                <a:latin typeface="Century Gothic"/>
+              </a:rPr>
               <a:t>Group or paired activity: [Insert Task]</a:t>
             </a:r>
           </a:p>
@@ -5184,15 +5856,30 @@
               <a:buNone/>
             </a:pPr>
             <a:r>
-              <a:rPr lang="en-GB" dirty="0"/>
+              <a:rPr lang="en-GB" sz="1800" dirty="0">
+                <a:solidFill>
+                  <a:srgbClr val="000000"/>
+                </a:solidFill>
+                <a:latin typeface="Century Gothic"/>
+              </a:rPr>
               <a:t>[</a:t>
             </a:r>
             <a:r>
-              <a:rPr lang="en-GB" dirty="0" err="1"/>
+              <a:rPr lang="en-GB" sz="1800" dirty="0" err="1">
+                <a:solidFill>
+                  <a:srgbClr val="000000"/>
+                </a:solidFill>
+                <a:latin typeface="Century Gothic"/>
+              </a:rPr>
               <a:t>Main_Image</a:t>
             </a:r>
             <a:r>
-              <a:rPr lang="en-GB" dirty="0"/>
+              <a:rPr lang="en-GB" sz="1800" dirty="0">
+                <a:solidFill>
+                  <a:srgbClr val="000000"/>
+                </a:solidFill>
+                <a:latin typeface="Century Gothic"/>
+              </a:rPr>
               <a:t>]</a:t>
             </a:r>
           </a:p>
@@ -5228,19 +5915,28 @@
           <a:p>
             <a:pPr algn="ctr"/>
             <a:r>
-              <a:rPr lang="en-GB" sz="1000" dirty="0">
+              <a:rPr lang="en-GB" sz="1800" dirty="0">
+                <a:solidFill>
+                  <a:srgbClr val="000000"/>
+                </a:solidFill>
                 <a:latin typeface="Century Gothic" panose="020B0502020202020204" pitchFamily="34" charset="0"/>
               </a:rPr>
               <a:t>KO [</a:t>
             </a:r>
             <a:r>
-              <a:rPr lang="en-GB" sz="1000" dirty="0" err="1">
+              <a:rPr lang="en-GB" sz="1800" dirty="0" err="1">
+                <a:solidFill>
+                  <a:srgbClr val="000000"/>
+                </a:solidFill>
                 <a:latin typeface="Century Gothic" panose="020B0502020202020204" pitchFamily="34" charset="0"/>
               </a:rPr>
               <a:t>Text_Content</a:t>
             </a:r>
             <a:r>
-              <a:rPr lang="en-GB" sz="1000" dirty="0">
+              <a:rPr lang="en-GB" sz="1800" dirty="0">
+                <a:solidFill>
+                  <a:srgbClr val="000000"/>
+                </a:solidFill>
                 <a:latin typeface="Century Gothic" panose="020B0502020202020204" pitchFamily="34" charset="0"/>
               </a:rPr>
               <a:t>]</a:t>
@@ -5259,6 +5955,16 @@
 <file path=ppt/slides/slide8.xml><?xml version="1.0" encoding="utf-8"?>
 <p:sld xmlns:a="http://schemas.openxmlformats.org/drawingml/2006/main" xmlns:r="http://schemas.openxmlformats.org/officeDocument/2006/relationships" xmlns:p="http://schemas.openxmlformats.org/presentationml/2006/main">
   <p:cSld>
+    <p:bg>
+      <p:bgPr>
+        <a:solidFill>
+          <a:schemeClr val="bg1">
+            <a:lumMod val="95000"/>
+          </a:schemeClr>
+        </a:solidFill>
+        <a:effectLst/>
+      </p:bgPr>
+    </p:bg>
     <p:spTree>
       <p:nvGrpSpPr>
         <p:cNvPr id="1" name=""/>
@@ -5289,6 +5995,12 @@
           <a:lstStyle/>
           <a:p>
             <a:r>
+              <a:rPr sz="1800">
+                <a:solidFill>
+                  <a:srgbClr val="000000"/>
+                </a:solidFill>
+                <a:latin typeface="Century Gothic"/>
+              </a:rPr>
               <a:t>Independent Practice (FIT)</a:t>
             </a:r>
           </a:p>
@@ -5313,19 +6025,39 @@
               <a:buNone/>
             </a:pPr>
             <a:r>
-              <a:rPr lang="en-GB" dirty="0"/>
+              <a:rPr lang="en-GB" sz="1800" dirty="0">
+                <a:solidFill>
+                  <a:srgbClr val="000000"/>
+                </a:solidFill>
+                <a:latin typeface="Century Gothic"/>
+              </a:rPr>
               <a:t>[</a:t>
             </a:r>
             <a:r>
-              <a:rPr lang="en-GB" dirty="0" err="1"/>
+              <a:rPr lang="en-GB" sz="1800" dirty="0" err="1">
+                <a:solidFill>
+                  <a:srgbClr val="000000"/>
+                </a:solidFill>
+                <a:latin typeface="Century Gothic"/>
+              </a:rPr>
               <a:t>Text_Content</a:t>
             </a:r>
             <a:r>
-              <a:rPr lang="en-GB" dirty="0"/>
+              <a:rPr lang="en-GB" sz="1800" dirty="0">
+                <a:solidFill>
+                  <a:srgbClr val="000000"/>
+                </a:solidFill>
+                <a:latin typeface="Century Gothic"/>
+              </a:rPr>
               <a:t>] </a:t>
             </a:r>
             <a:r>
-              <a:rPr dirty="0"/>
+              <a:rPr sz="1800" dirty="0">
+                <a:solidFill>
+                  <a:srgbClr val="000000"/>
+                </a:solidFill>
+                <a:latin typeface="Century Gothic"/>
+              </a:rPr>
               <a:t>Task for students to complete independently: [Insert Task]</a:t>
             </a:r>
           </a:p>
@@ -5356,15 +6088,30 @@
               <a:buNone/>
             </a:pPr>
             <a:r>
-              <a:rPr lang="en-GB" dirty="0"/>
+              <a:rPr lang="en-GB" sz="1800" dirty="0">
+                <a:solidFill>
+                  <a:srgbClr val="000000"/>
+                </a:solidFill>
+                <a:latin typeface="Century Gothic"/>
+              </a:rPr>
               <a:t>[</a:t>
             </a:r>
             <a:r>
-              <a:rPr lang="en-GB" dirty="0" err="1"/>
+              <a:rPr lang="en-GB" sz="1800" dirty="0" err="1">
+                <a:solidFill>
+                  <a:srgbClr val="000000"/>
+                </a:solidFill>
+                <a:latin typeface="Century Gothic"/>
+              </a:rPr>
               <a:t>Main_Image</a:t>
             </a:r>
             <a:r>
-              <a:rPr lang="en-GB" dirty="0"/>
+              <a:rPr lang="en-GB" sz="1800" dirty="0">
+                <a:solidFill>
+                  <a:srgbClr val="000000"/>
+                </a:solidFill>
+                <a:latin typeface="Century Gothic"/>
+              </a:rPr>
               <a:t>]</a:t>
             </a:r>
           </a:p>
@@ -5400,19 +6147,28 @@
           <a:p>
             <a:pPr algn="ctr"/>
             <a:r>
-              <a:rPr lang="en-GB" sz="1000" dirty="0">
+              <a:rPr lang="en-GB" sz="1800" dirty="0">
+                <a:solidFill>
+                  <a:srgbClr val="000000"/>
+                </a:solidFill>
                 <a:latin typeface="Century Gothic" panose="020B0502020202020204" pitchFamily="34" charset="0"/>
               </a:rPr>
               <a:t>KO [</a:t>
             </a:r>
             <a:r>
-              <a:rPr lang="en-GB" sz="1000" dirty="0" err="1">
+              <a:rPr lang="en-GB" sz="1800" dirty="0" err="1">
+                <a:solidFill>
+                  <a:srgbClr val="000000"/>
+                </a:solidFill>
                 <a:latin typeface="Century Gothic" panose="020B0502020202020204" pitchFamily="34" charset="0"/>
               </a:rPr>
               <a:t>Text_Content</a:t>
             </a:r>
             <a:r>
-              <a:rPr lang="en-GB" sz="1000" dirty="0">
+              <a:rPr lang="en-GB" sz="1800" dirty="0">
+                <a:solidFill>
+                  <a:srgbClr val="000000"/>
+                </a:solidFill>
                 <a:latin typeface="Century Gothic" panose="020B0502020202020204" pitchFamily="34" charset="0"/>
               </a:rPr>
               <a:t>]</a:t>
@@ -5431,6 +6187,16 @@
 <file path=ppt/slides/slide9.xml><?xml version="1.0" encoding="utf-8"?>
 <p:sld xmlns:a="http://schemas.openxmlformats.org/drawingml/2006/main" xmlns:r="http://schemas.openxmlformats.org/officeDocument/2006/relationships" xmlns:p="http://schemas.openxmlformats.org/presentationml/2006/main">
   <p:cSld>
+    <p:bg>
+      <p:bgPr>
+        <a:solidFill>
+          <a:schemeClr val="bg1">
+            <a:lumMod val="95000"/>
+          </a:schemeClr>
+        </a:solidFill>
+        <a:effectLst/>
+      </p:bgPr>
+    </p:bg>
     <p:spTree>
       <p:nvGrpSpPr>
         <p:cNvPr id="1" name=""/>
@@ -5461,6 +6227,12 @@
           <a:lstStyle/>
           <a:p>
             <a:r>
+              <a:rPr sz="1800">
+                <a:solidFill>
+                  <a:srgbClr val="000000"/>
+                </a:solidFill>
+                <a:latin typeface="Century Gothic"/>
+              </a:rPr>
               <a:t>Review &amp; Improve</a:t>
             </a:r>
           </a:p>
@@ -5485,19 +6257,39 @@
               <a:buNone/>
             </a:pPr>
             <a:r>
-              <a:rPr lang="en-GB" dirty="0"/>
+              <a:rPr lang="en-GB" sz="1800" dirty="0">
+                <a:solidFill>
+                  <a:srgbClr val="000000"/>
+                </a:solidFill>
+                <a:latin typeface="Century Gothic"/>
+              </a:rPr>
               <a:t>[</a:t>
             </a:r>
             <a:r>
-              <a:rPr lang="en-GB" dirty="0" err="1"/>
+              <a:rPr lang="en-GB" sz="1800" dirty="0" err="1">
+                <a:solidFill>
+                  <a:srgbClr val="000000"/>
+                </a:solidFill>
+                <a:latin typeface="Century Gothic"/>
+              </a:rPr>
               <a:t>Text_Content</a:t>
             </a:r>
             <a:r>
-              <a:rPr lang="en-GB" dirty="0"/>
+              <a:rPr lang="en-GB" sz="1800" dirty="0">
+                <a:solidFill>
+                  <a:srgbClr val="000000"/>
+                </a:solidFill>
+                <a:latin typeface="Century Gothic"/>
+              </a:rPr>
               <a:t>] </a:t>
             </a:r>
             <a:r>
-              <a:rPr dirty="0"/>
+              <a:rPr sz="1800" dirty="0">
+                <a:solidFill>
+                  <a:srgbClr val="000000"/>
+                </a:solidFill>
+                <a:latin typeface="Century Gothic"/>
+              </a:rPr>
               <a:t>Red pen reflection or peer/self assessment: [Insert Instructions]</a:t>
             </a:r>
           </a:p>
@@ -5528,15 +6320,30 @@
               <a:buNone/>
             </a:pPr>
             <a:r>
-              <a:rPr lang="en-GB" dirty="0"/>
+              <a:rPr lang="en-GB" sz="1800" dirty="0">
+                <a:solidFill>
+                  <a:srgbClr val="000000"/>
+                </a:solidFill>
+                <a:latin typeface="Century Gothic"/>
+              </a:rPr>
               <a:t>[</a:t>
             </a:r>
             <a:r>
-              <a:rPr lang="en-GB" dirty="0" err="1"/>
+              <a:rPr lang="en-GB" sz="1800" dirty="0" err="1">
+                <a:solidFill>
+                  <a:srgbClr val="000000"/>
+                </a:solidFill>
+                <a:latin typeface="Century Gothic"/>
+              </a:rPr>
               <a:t>Main_Image</a:t>
             </a:r>
             <a:r>
-              <a:rPr lang="en-GB" dirty="0"/>
+              <a:rPr lang="en-GB" sz="1800" dirty="0">
+                <a:solidFill>
+                  <a:srgbClr val="000000"/>
+                </a:solidFill>
+                <a:latin typeface="Century Gothic"/>
+              </a:rPr>
               <a:t>]</a:t>
             </a:r>
           </a:p>
@@ -5572,19 +6379,28 @@
           <a:p>
             <a:pPr algn="ctr"/>
             <a:r>
-              <a:rPr lang="en-GB" sz="1000" dirty="0">
+              <a:rPr lang="en-GB" sz="1800" dirty="0">
+                <a:solidFill>
+                  <a:srgbClr val="000000"/>
+                </a:solidFill>
                 <a:latin typeface="Century Gothic" panose="020B0502020202020204" pitchFamily="34" charset="0"/>
               </a:rPr>
               <a:t>KO [</a:t>
             </a:r>
             <a:r>
-              <a:rPr lang="en-GB" sz="1000" dirty="0" err="1">
+              <a:rPr lang="en-GB" sz="1800" dirty="0" err="1">
+                <a:solidFill>
+                  <a:srgbClr val="000000"/>
+                </a:solidFill>
                 <a:latin typeface="Century Gothic" panose="020B0502020202020204" pitchFamily="34" charset="0"/>
               </a:rPr>
               <a:t>Text_Content</a:t>
             </a:r>
             <a:r>
-              <a:rPr lang="en-GB" sz="1000" dirty="0">
+              <a:rPr lang="en-GB" sz="1800" dirty="0">
+                <a:solidFill>
+                  <a:srgbClr val="000000"/>
+                </a:solidFill>
                 <a:latin typeface="Century Gothic" panose="020B0502020202020204" pitchFamily="34" charset="0"/>
               </a:rPr>
               <a:t>]</a:t>
